--- a/W04/W04_1_NN.pptx
+++ b/W04/W04_1_NN.pptx
@@ -269,7 +269,7 @@
   </p:defaultTextStyle>
   <p:extLst>
     <p:ext uri="{EFAFB233-063F-42B5-8137-9DF3F51BA10A}">
-      <p15:sldGuideLst xmlns:ahyp="http://schemas.microsoft.com/office/drawing/2018/hyperlinkcolor" xmlns:p15="http://schemas.microsoft.com/office/powerpoint/2012/main" xmlns:p14="http://schemas.microsoft.com/office/powerpoint/2010/main" xmlns:com="http://schemas.openxmlformats.org/drawingml/2006/compatibility" xmlns:pvml="urn:schemas-microsoft-com:office:powerpoint" xmlns:v="urn:schemas-microsoft-com:vml" xmlns:o="urn:schemas-microsoft-com:office:office" xmlns:dgm="http://schemas.openxmlformats.org/drawingml/2006/diagram" xmlns:c="http://schemas.openxmlformats.org/drawingml/2006/chart" xmlns:mv="urn:schemas-microsoft-com:mac:vml" xmlns:mc="http://schemas.openxmlformats.org/markup-compatibility/2006" xmlns="">
+      <p15:sldGuideLst xmlns="" xmlns:mc="http://schemas.openxmlformats.org/markup-compatibility/2006" xmlns:mv="urn:schemas-microsoft-com:mac:vml" xmlns:c="http://schemas.openxmlformats.org/drawingml/2006/chart" xmlns:dgm="http://schemas.openxmlformats.org/drawingml/2006/diagram" xmlns:o="urn:schemas-microsoft-com:office:office" xmlns:v="urn:schemas-microsoft-com:vml" xmlns:pvml="urn:schemas-microsoft-com:office:powerpoint" xmlns:com="http://schemas.openxmlformats.org/drawingml/2006/compatibility" xmlns:p14="http://schemas.microsoft.com/office/powerpoint/2010/main" xmlns:p15="http://schemas.microsoft.com/office/powerpoint/2012/main" xmlns:ahyp="http://schemas.microsoft.com/office/drawing/2018/hyperlinkcolor">
         <p15:guide id="1" orient="horz" pos="2160">
           <p15:clr>
             <a:srgbClr val="000000"/>
@@ -12387,6 +12387,13 @@
   <p:clrMapOvr>
     <a:masterClrMapping/>
   </p:clrMapOvr>
+  <p:timing>
+    <p:tnLst>
+      <p:par>
+        <p:cTn id="1" dur="indefinite" restart="never" nodeType="tmRoot"/>
+      </p:par>
+    </p:tnLst>
+  </p:timing>
 </p:sld>
 </file>
 
@@ -12487,6 +12494,13 @@
   <p:clrMapOvr>
     <a:masterClrMapping/>
   </p:clrMapOvr>
+  <p:timing>
+    <p:tnLst>
+      <p:par>
+        <p:cTn id="1" dur="indefinite" restart="never" nodeType="tmRoot"/>
+      </p:par>
+    </p:tnLst>
+  </p:timing>
 </p:sld>
 </file>
 
@@ -12602,7 +12616,7 @@
                 <a:solidFill>
                   <a:schemeClr val="hlink"/>
                 </a:solidFill>
-                <a:hlinkClick r:id="rId3"/>
+                <a:hlinkClick r:id="rId4"/>
               </a:rPr>
               <a:t>https://keras.io/</a:t>
             </a:r>
@@ -12659,7 +12673,7 @@
             </a:pPr>
             <a:r>
               <a:rPr lang="en-US" dirty="0" smtClean="0">
-                <a:hlinkClick r:id="rId4"/>
+                <a:hlinkClick r:id="rId5"/>
               </a:rPr>
               <a:t>https://www.books.com.tw/products/0010822932?loc=P_br_r0vq68ygz_D_2aabd0_B_1</a:t>
             </a:r>
@@ -12735,7 +12749,7 @@
           <p:nvPr/>
         </p:nvPicPr>
         <p:blipFill rotWithShape="1">
-          <a:blip r:embed="rId5">
+          <a:blip r:embed="rId6">
             <a:alphaModFix/>
           </a:blip>
           <a:srcRect/>
@@ -12764,7 +12778,7 @@
           <p:nvPr/>
         </p:nvPicPr>
         <p:blipFill>
-          <a:blip r:embed="rId6"/>
+          <a:blip r:embed="rId7"/>
           <a:srcRect/>
           <a:stretch>
             <a:fillRect/>
@@ -12793,6 +12807,13 @@
   <p:clrMapOvr>
     <a:masterClrMapping/>
   </p:clrMapOvr>
+  <p:timing>
+    <p:tnLst>
+      <p:par>
+        <p:cTn id="1" dur="indefinite" restart="never" nodeType="tmRoot"/>
+      </p:par>
+    </p:tnLst>
+  </p:timing>
 </p:sld>
 </file>
 
@@ -12991,6 +13012,13 @@
   <p:clrMapOvr>
     <a:masterClrMapping/>
   </p:clrMapOvr>
+  <p:timing>
+    <p:tnLst>
+      <p:par>
+        <p:cTn id="1" dur="indefinite" restart="never" nodeType="tmRoot"/>
+      </p:par>
+    </p:tnLst>
+  </p:timing>
 </p:sld>
 </file>
 
@@ -13502,6 +13530,13 @@
   <p:clrMapOvr>
     <a:masterClrMapping/>
   </p:clrMapOvr>
+  <p:timing>
+    <p:tnLst>
+      <p:par>
+        <p:cTn id="1" dur="indefinite" restart="never" nodeType="tmRoot"/>
+      </p:par>
+    </p:tnLst>
+  </p:timing>
 </p:sld>
 </file>
 
@@ -13635,6 +13670,13 @@
   <p:clrMapOvr>
     <a:masterClrMapping/>
   </p:clrMapOvr>
+  <p:timing>
+    <p:tnLst>
+      <p:par>
+        <p:cTn id="1" dur="indefinite" restart="never" nodeType="tmRoot"/>
+      </p:par>
+    </p:tnLst>
+  </p:timing>
 </p:sld>
 </file>
 
@@ -13760,6 +13802,13 @@
   <p:clrMapOvr>
     <a:masterClrMapping/>
   </p:clrMapOvr>
+  <p:timing>
+    <p:tnLst>
+      <p:par>
+        <p:cTn id="1" dur="indefinite" restart="never" nodeType="tmRoot"/>
+      </p:par>
+    </p:tnLst>
+  </p:timing>
 </p:sld>
 </file>
 
@@ -13864,6 +13913,13 @@
   <p:clrMapOvr>
     <a:masterClrMapping/>
   </p:clrMapOvr>
+  <p:timing>
+    <p:tnLst>
+      <p:par>
+        <p:cTn id="1" dur="indefinite" restart="never" nodeType="tmRoot"/>
+      </p:par>
+    </p:tnLst>
+  </p:timing>
 </p:sld>
 </file>
 
@@ -13962,6 +14018,13 @@
   <p:clrMapOvr>
     <a:masterClrMapping/>
   </p:clrMapOvr>
+  <p:timing>
+    <p:tnLst>
+      <p:par>
+        <p:cTn id="1" dur="indefinite" restart="never" nodeType="tmRoot"/>
+      </p:par>
+    </p:tnLst>
+  </p:timing>
 </p:sld>
 </file>
 
@@ -14066,6 +14129,13 @@
   <p:clrMapOvr>
     <a:masterClrMapping/>
   </p:clrMapOvr>
+  <p:timing>
+    <p:tnLst>
+      <p:par>
+        <p:cTn id="1" dur="indefinite" restart="never" nodeType="tmRoot"/>
+      </p:par>
+    </p:tnLst>
+  </p:timing>
 </p:sld>
 </file>
 
@@ -14133,10 +14203,10 @@
               <a:t>SVM之後，NN要再起來之前，決策樹又有很好的成果，所以</a:t>
             </a:r>
             <a:r>
-              <a:rPr lang="en-US" altLang="zh-TW" smtClean="0"/>
+              <a:rPr lang="en-US" altLang="zh-TW" dirty="0" smtClean="0"/>
               <a:t>…</a:t>
             </a:r>
-            <a:endParaRPr lang="zh-TW" altLang="en-US"/>
+            <a:endParaRPr lang="zh-TW" altLang="en-US" dirty="0"/>
           </a:p>
         </p:txBody>
       </p:sp>
@@ -14178,6 +14248,13 @@
   <p:clrMapOvr>
     <a:masterClrMapping/>
   </p:clrMapOvr>
+  <p:timing>
+    <p:tnLst>
+      <p:par>
+        <p:cTn id="1" dur="indefinite" restart="never" nodeType="tmRoot"/>
+      </p:par>
+    </p:tnLst>
+  </p:timing>
 </p:sld>
 </file>
 
@@ -14283,7 +14360,7 @@
           <p:nvPr/>
         </p:nvPicPr>
         <p:blipFill>
-          <a:blip r:embed="rId2"/>
+          <a:blip r:embed="rId3"/>
           <a:srcRect/>
           <a:stretch>
             <a:fillRect/>
@@ -14312,6 +14389,13 @@
   <p:clrMapOvr>
     <a:masterClrMapping/>
   </p:clrMapOvr>
+  <p:timing>
+    <p:tnLst>
+      <p:par>
+        <p:cTn id="1" dur="indefinite" restart="never" nodeType="tmRoot"/>
+      </p:par>
+    </p:tnLst>
+  </p:timing>
 </p:sld>
 </file>
 
@@ -14383,6 +14467,13 @@
   <p:clrMapOvr>
     <a:masterClrMapping/>
   </p:clrMapOvr>
+  <p:timing>
+    <p:tnLst>
+      <p:par>
+        <p:cTn id="1" dur="indefinite" restart="never" nodeType="tmRoot"/>
+      </p:par>
+    </p:tnLst>
+  </p:timing>
 </p:sld>
 </file>
 
@@ -14570,6 +14661,13 @@
   <p:clrMapOvr>
     <a:masterClrMapping/>
   </p:clrMapOvr>
+  <p:timing>
+    <p:tnLst>
+      <p:par>
+        <p:cTn id="1" dur="indefinite" restart="never" nodeType="tmRoot"/>
+      </p:par>
+    </p:tnLst>
+  </p:timing>
 </p:sld>
 </file>
 
@@ -14753,6 +14851,13 @@
   <p:clrMapOvr>
     <a:masterClrMapping/>
   </p:clrMapOvr>
+  <p:timing>
+    <p:tnLst>
+      <p:par>
+        <p:cTn id="1" dur="indefinite" restart="never" nodeType="tmRoot"/>
+      </p:par>
+    </p:tnLst>
+  </p:timing>
 </p:sld>
 </file>
 
@@ -14890,6 +14995,13 @@
   <p:clrMapOvr>
     <a:masterClrMapping/>
   </p:clrMapOvr>
+  <p:timing>
+    <p:tnLst>
+      <p:par>
+        <p:cTn id="1" dur="indefinite" restart="never" nodeType="tmRoot"/>
+      </p:par>
+    </p:tnLst>
+  </p:timing>
 </p:sld>
 </file>
 
@@ -15027,6 +15139,13 @@
   <p:clrMapOvr>
     <a:masterClrMapping/>
   </p:clrMapOvr>
+  <p:timing>
+    <p:tnLst>
+      <p:par>
+        <p:cTn id="1" dur="indefinite" restart="never" nodeType="tmRoot"/>
+      </p:par>
+    </p:tnLst>
+  </p:timing>
 </p:sld>
 </file>
 
@@ -15164,6 +15283,13 @@
   <p:clrMapOvr>
     <a:masterClrMapping/>
   </p:clrMapOvr>
+  <p:timing>
+    <p:tnLst>
+      <p:par>
+        <p:cTn id="1" dur="indefinite" restart="never" nodeType="tmRoot"/>
+      </p:par>
+    </p:tnLst>
+  </p:timing>
 </p:sld>
 </file>
 
@@ -15301,6 +15427,13 @@
   <p:clrMapOvr>
     <a:masterClrMapping/>
   </p:clrMapOvr>
+  <p:timing>
+    <p:tnLst>
+      <p:par>
+        <p:cTn id="1" dur="indefinite" restart="never" nodeType="tmRoot"/>
+      </p:par>
+    </p:tnLst>
+  </p:timing>
 </p:sld>
 </file>
 
@@ -15438,6 +15571,13 @@
   <p:clrMapOvr>
     <a:masterClrMapping/>
   </p:clrMapOvr>
+  <p:timing>
+    <p:tnLst>
+      <p:par>
+        <p:cTn id="1" dur="indefinite" restart="never" nodeType="tmRoot"/>
+      </p:par>
+    </p:tnLst>
+  </p:timing>
 </p:sld>
 </file>
 
@@ -15690,6 +15830,13 @@
   <p:clrMapOvr>
     <a:masterClrMapping/>
   </p:clrMapOvr>
+  <p:timing>
+    <p:tnLst>
+      <p:par>
+        <p:cTn id="1" dur="indefinite" restart="never" nodeType="tmRoot"/>
+      </p:par>
+    </p:tnLst>
+  </p:timing>
 </p:sld>
 </file>
 
@@ -15794,7 +15941,7 @@
           <p:nvPr/>
         </p:nvPicPr>
         <p:blipFill>
-          <a:blip r:embed="rId2"/>
+          <a:blip r:embed="rId3"/>
           <a:srcRect/>
           <a:stretch>
             <a:fillRect/>
@@ -15823,6 +15970,13 @@
   <p:clrMapOvr>
     <a:masterClrMapping/>
   </p:clrMapOvr>
+  <p:timing>
+    <p:tnLst>
+      <p:par>
+        <p:cTn id="1" dur="indefinite" restart="never" nodeType="tmRoot"/>
+      </p:par>
+    </p:tnLst>
+  </p:timing>
 </p:sld>
 </file>
 
@@ -16004,6 +16158,13 @@
   <p:clrMapOvr>
     <a:masterClrMapping/>
   </p:clrMapOvr>
+  <p:timing>
+    <p:tnLst>
+      <p:par>
+        <p:cTn id="1" dur="indefinite" restart="never" nodeType="tmRoot"/>
+      </p:par>
+    </p:tnLst>
+  </p:timing>
 </p:sld>
 </file>
 
@@ -16100,6 +16261,13 @@
   <p:clrMapOvr>
     <a:masterClrMapping/>
   </p:clrMapOvr>
+  <p:timing>
+    <p:tnLst>
+      <p:par>
+        <p:cTn id="1" dur="indefinite" restart="never" nodeType="tmRoot"/>
+      </p:par>
+    </p:tnLst>
+  </p:timing>
 </p:sld>
 </file>
 
@@ -16171,7 +16339,7 @@
           <p:nvPr/>
         </p:nvPicPr>
         <p:blipFill>
-          <a:blip r:embed="rId2"/>
+          <a:blip r:embed="rId3"/>
           <a:srcRect/>
           <a:stretch>
             <a:fillRect/>
@@ -16200,6 +16368,13 @@
   <p:clrMapOvr>
     <a:masterClrMapping/>
   </p:clrMapOvr>
+  <p:timing>
+    <p:tnLst>
+      <p:par>
+        <p:cTn id="1" dur="indefinite" restart="never" nodeType="tmRoot"/>
+      </p:par>
+    </p:tnLst>
+  </p:timing>
 </p:sld>
 </file>
 
@@ -16271,7 +16446,7 @@
           <p:nvPr/>
         </p:nvPicPr>
         <p:blipFill>
-          <a:blip r:embed="rId2"/>
+          <a:blip r:embed="rId3"/>
           <a:srcRect/>
           <a:stretch>
             <a:fillRect/>
@@ -16300,6 +16475,13 @@
   <p:clrMapOvr>
     <a:masterClrMapping/>
   </p:clrMapOvr>
+  <p:timing>
+    <p:tnLst>
+      <p:par>
+        <p:cTn id="1" dur="indefinite" restart="never" nodeType="tmRoot"/>
+      </p:par>
+    </p:tnLst>
+  </p:timing>
 </p:sld>
 </file>
 
